--- a/Web2.pptx
+++ b/Web2.pptx
@@ -5,7 +5,7 @@
     <p:sldMasterId id="2147483678" r:id="rId1"/>
   </p:sldMasterIdLst>
   <p:notesMasterIdLst>
-    <p:notesMasterId r:id="rId17"/>
+    <p:notesMasterId r:id="rId18"/>
   </p:notesMasterIdLst>
   <p:sldIdLst>
     <p:sldId id="256" r:id="rId2"/>
@@ -13,16 +13,17 @@
     <p:sldId id="323" r:id="rId4"/>
     <p:sldId id="332" r:id="rId5"/>
     <p:sldId id="333" r:id="rId6"/>
-    <p:sldId id="311" r:id="rId7"/>
-    <p:sldId id="325" r:id="rId8"/>
-    <p:sldId id="327" r:id="rId9"/>
-    <p:sldId id="328" r:id="rId10"/>
-    <p:sldId id="331" r:id="rId11"/>
-    <p:sldId id="326" r:id="rId12"/>
-    <p:sldId id="330" r:id="rId13"/>
-    <p:sldId id="312" r:id="rId14"/>
-    <p:sldId id="321" r:id="rId15"/>
-    <p:sldId id="324" r:id="rId16"/>
+    <p:sldId id="334" r:id="rId7"/>
+    <p:sldId id="311" r:id="rId8"/>
+    <p:sldId id="325" r:id="rId9"/>
+    <p:sldId id="327" r:id="rId10"/>
+    <p:sldId id="328" r:id="rId11"/>
+    <p:sldId id="331" r:id="rId12"/>
+    <p:sldId id="326" r:id="rId13"/>
+    <p:sldId id="330" r:id="rId14"/>
+    <p:sldId id="312" r:id="rId15"/>
+    <p:sldId id="321" r:id="rId16"/>
+    <p:sldId id="324" r:id="rId17"/>
   </p:sldIdLst>
   <p:sldSz cx="9144000" cy="5143500" type="screen16x9"/>
   <p:notesSz cx="6858000" cy="9144000"/>
@@ -7373,6 +7374,159 @@
       </p:sp>
       <p:pic>
         <p:nvPicPr>
+          <p:cNvPr id="4" name="圖片 3">
+            <a:extLst>
+              <a:ext uri="{FF2B5EF4-FFF2-40B4-BE49-F238E27FC236}">
+                <a16:creationId xmlns:a16="http://schemas.microsoft.com/office/drawing/2014/main" id="{BA17DAC8-2DB8-4788-8AE1-A8DB0711932D}"/>
+              </a:ext>
+            </a:extLst>
+          </p:cNvPr>
+          <p:cNvPicPr>
+            <a:picLocks noChangeAspect="1"/>
+          </p:cNvPicPr>
+          <p:nvPr/>
+        </p:nvPicPr>
+        <p:blipFill>
+          <a:blip r:embed="rId4"/>
+          <a:stretch>
+            <a:fillRect/>
+          </a:stretch>
+        </p:blipFill>
+        <p:spPr>
+          <a:xfrm>
+            <a:off x="1624878" y="1168994"/>
+            <a:ext cx="5894243" cy="3929495"/>
+          </a:xfrm>
+          <a:prstGeom prst="rect">
+            <a:avLst/>
+          </a:prstGeom>
+        </p:spPr>
+      </p:pic>
+    </p:spTree>
+    <p:extLst>
+      <p:ext uri="{BB962C8B-B14F-4D97-AF65-F5344CB8AC3E}">
+        <p14:creationId xmlns:p14="http://schemas.microsoft.com/office/powerpoint/2010/main" val="153961966"/>
+      </p:ext>
+    </p:extLst>
+  </p:cSld>
+  <p:clrMapOvr>
+    <a:masterClrMapping/>
+  </p:clrMapOvr>
+</p:sld>
+</file>
+
+<file path=ppt/slides/slide11.xml><?xml version="1.0" encoding="utf-8"?>
+<p:sld xmlns:a="http://schemas.openxmlformats.org/drawingml/2006/main" xmlns:r="http://schemas.openxmlformats.org/officeDocument/2006/relationships" xmlns:p="http://schemas.openxmlformats.org/presentationml/2006/main">
+  <p:cSld>
+    <p:spTree>
+      <p:nvGrpSpPr>
+        <p:cNvPr id="1" name=""/>
+        <p:cNvGrpSpPr/>
+        <p:nvPr/>
+      </p:nvGrpSpPr>
+      <p:grpSpPr>
+        <a:xfrm>
+          <a:off x="0" y="0"/>
+          <a:ext cx="0" cy="0"/>
+          <a:chOff x="0" y="0"/>
+          <a:chExt cx="0" cy="0"/>
+        </a:xfrm>
+      </p:grpSpPr>
+      <p:sp>
+        <p:nvSpPr>
+          <p:cNvPr id="2" name="標題 1">
+            <a:extLst>
+              <a:ext uri="{FF2B5EF4-FFF2-40B4-BE49-F238E27FC236}">
+                <a16:creationId xmlns:a16="http://schemas.microsoft.com/office/drawing/2014/main" id="{621FFCFB-8ABF-45F7-A385-4E134333EF68}"/>
+              </a:ext>
+            </a:extLst>
+          </p:cNvPr>
+          <p:cNvSpPr>
+            <a:spLocks noGrp="1"/>
+          </p:cNvSpPr>
+          <p:nvPr>
+            <p:ph type="title"/>
+          </p:nvPr>
+        </p:nvSpPr>
+        <p:spPr/>
+        <p:txBody>
+          <a:bodyPr/>
+          <a:lstStyle/>
+          <a:p>
+            <a:r>
+              <a:rPr lang="en-US" altLang="zh-TW" dirty="0"/>
+              <a:t>Message board</a:t>
+            </a:r>
+            <a:endParaRPr lang="zh-TW" altLang="en-US" dirty="0"/>
+          </a:p>
+        </p:txBody>
+      </p:sp>
+      <p:sp>
+        <p:nvSpPr>
+          <p:cNvPr id="6" name="文字方塊 5">
+            <a:extLst>
+              <a:ext uri="{FF2B5EF4-FFF2-40B4-BE49-F238E27FC236}">
+                <a16:creationId xmlns:a16="http://schemas.microsoft.com/office/drawing/2014/main" id="{56A0D518-48EA-039E-2649-1D2B73D38B7A}"/>
+              </a:ext>
+            </a:extLst>
+          </p:cNvPr>
+          <p:cNvSpPr txBox="1"/>
+          <p:nvPr/>
+        </p:nvSpPr>
+        <p:spPr>
+          <a:xfrm>
+            <a:off x="4193060" y="805926"/>
+            <a:ext cx="3945924" cy="307777"/>
+          </a:xfrm>
+          <a:prstGeom prst="rect">
+            <a:avLst/>
+          </a:prstGeom>
+          <a:noFill/>
+        </p:spPr>
+        <p:txBody>
+          <a:bodyPr wrap="square" rtlCol="0">
+            <a:spAutoFit/>
+          </a:bodyPr>
+          <a:lstStyle/>
+          <a:p>
+            <a:r>
+              <a:rPr lang="zh-TW" altLang="en-US" dirty="0"/>
+              <a:t>排版可參考 </a:t>
+            </a:r>
+            <a:r>
+              <a:rPr lang="en-US" altLang="zh-TW" dirty="0">
+                <a:hlinkClick r:id="rId2"/>
+              </a:rPr>
+              <a:t>Bootstrap card</a:t>
+            </a:r>
+            <a:r>
+              <a:rPr lang="en-US" altLang="zh-TW" dirty="0"/>
+              <a:t> </a:t>
+            </a:r>
+            <a:r>
+              <a:rPr lang="zh-TW" altLang="en-US" dirty="0"/>
+              <a:t>配合 </a:t>
+            </a:r>
+            <a:r>
+              <a:rPr lang="en-US" altLang="zh-TW" dirty="0">
+                <a:hlinkClick r:id="rId3"/>
+              </a:rPr>
+              <a:t>Collapse</a:t>
+            </a:r>
+            <a:r>
+              <a:rPr lang="zh-TW" altLang="en-US" dirty="0"/>
+              <a:t>  </a:t>
+            </a:r>
+            <a:r>
+              <a:rPr lang="en-US" altLang="zh-TW" dirty="0"/>
+              <a:t> </a:t>
+            </a:r>
+            <a:endParaRPr lang="zh-TW" altLang="en-US" dirty="0"/>
+          </a:p>
+        </p:txBody>
+      </p:sp>
+      <p:pic>
+        <p:nvPicPr>
           <p:cNvPr id="5" name="圖片 4">
             <a:extLst>
               <a:ext uri="{FF2B5EF4-FFF2-40B4-BE49-F238E27FC236}">
@@ -7414,7 +7568,7 @@
 </p:sld>
 </file>
 
-<file path=ppt/slides/slide11.xml><?xml version="1.0" encoding="utf-8"?>
+<file path=ppt/slides/slide12.xml><?xml version="1.0" encoding="utf-8"?>
 <p:sld xmlns:a="http://schemas.openxmlformats.org/drawingml/2006/main" xmlns:r="http://schemas.openxmlformats.org/officeDocument/2006/relationships" xmlns:p="http://schemas.openxmlformats.org/presentationml/2006/main">
   <p:cSld>
     <p:spTree>
@@ -7591,7 +7745,7 @@
 </p:sld>
 </file>
 
-<file path=ppt/slides/slide12.xml><?xml version="1.0" encoding="utf-8"?>
+<file path=ppt/slides/slide13.xml><?xml version="1.0" encoding="utf-8"?>
 <p:sld xmlns:a="http://schemas.openxmlformats.org/drawingml/2006/main" xmlns:r="http://schemas.openxmlformats.org/officeDocument/2006/relationships" xmlns:p="http://schemas.openxmlformats.org/presentationml/2006/main">
   <p:cSld>
     <p:spTree>
@@ -7785,7 +7939,7 @@
 </p:sld>
 </file>
 
-<file path=ppt/slides/slide13.xml><?xml version="1.0" encoding="utf-8"?>
+<file path=ppt/slides/slide14.xml><?xml version="1.0" encoding="utf-8"?>
 <p:sld xmlns:a="http://schemas.openxmlformats.org/drawingml/2006/main" xmlns:r="http://schemas.openxmlformats.org/officeDocument/2006/relationships" xmlns:p="http://schemas.openxmlformats.org/presentationml/2006/main">
   <p:cSld>
     <p:spTree>
@@ -7898,7 +8052,7 @@
 </p:sld>
 </file>
 
-<file path=ppt/slides/slide14.xml><?xml version="1.0" encoding="utf-8"?>
+<file path=ppt/slides/slide15.xml><?xml version="1.0" encoding="utf-8"?>
 <p:sld xmlns:a="http://schemas.openxmlformats.org/drawingml/2006/main" xmlns:r="http://schemas.openxmlformats.org/officeDocument/2006/relationships" xmlns:p="http://schemas.openxmlformats.org/presentationml/2006/main">
   <p:cSld>
     <p:spTree>
@@ -7990,6 +8144,54 @@
               </a:rPr>
               <a:t>Bootstrap</a:t>
             </a:r>
+            <a:endParaRPr lang="en-US" altLang="zh-TW" dirty="0"/>
+          </a:p>
+          <a:p>
+            <a:pPr>
+              <a:lnSpc>
+                <a:spcPct val="150000"/>
+              </a:lnSpc>
+            </a:pPr>
+            <a:r>
+              <a:rPr lang="en-US" altLang="zh-TW" dirty="0" err="1">
+                <a:hlinkClick r:id="rId4"/>
+              </a:rPr>
+              <a:t>OpenAI</a:t>
+            </a:r>
+            <a:endParaRPr lang="en-US" altLang="zh-TW" dirty="0"/>
+          </a:p>
+          <a:p>
+            <a:pPr>
+              <a:lnSpc>
+                <a:spcPct val="150000"/>
+              </a:lnSpc>
+            </a:pPr>
+            <a:r>
+              <a:rPr lang="en-US" altLang="zh-TW" dirty="0">
+                <a:hlinkClick r:id="rId5"/>
+              </a:rPr>
+              <a:t>How to Create Your Own </a:t>
+            </a:r>
+            <a:r>
+              <a:rPr lang="en-US" altLang="zh-TW" dirty="0" err="1">
+                <a:hlinkClick r:id="rId5"/>
+              </a:rPr>
+              <a:t>ChatGPT</a:t>
+            </a:r>
+            <a:r>
+              <a:rPr lang="en-US" altLang="zh-TW" dirty="0">
+                <a:hlinkClick r:id="rId5"/>
+              </a:rPr>
+              <a:t> in HTML CSS and JavaScript (codingnepalweb.com)</a:t>
+            </a:r>
+            <a:endParaRPr lang="en-US" altLang="zh-TW" dirty="0"/>
+          </a:p>
+          <a:p>
+            <a:pPr>
+              <a:lnSpc>
+                <a:spcPct val="150000"/>
+              </a:lnSpc>
+            </a:pPr>
             <a:endParaRPr lang="zh-TW" altLang="en-US" dirty="0"/>
           </a:p>
         </p:txBody>
@@ -8007,7 +8209,7 @@
 </p:sld>
 </file>
 
-<file path=ppt/slides/slide15.xml><?xml version="1.0" encoding="utf-8"?>
+<file path=ppt/slides/slide16.xml><?xml version="1.0" encoding="utf-8"?>
 <p:sld xmlns:a="http://schemas.openxmlformats.org/drawingml/2006/main" xmlns:r="http://schemas.openxmlformats.org/officeDocument/2006/relationships" xmlns:p="http://schemas.openxmlformats.org/presentationml/2006/main">
   <p:cSld>
     <p:spTree>
@@ -8444,44 +8646,122 @@
             <p:ph type="title"/>
           </p:nvPr>
         </p:nvSpPr>
-        <p:spPr/>
+        <p:spPr>
+          <a:xfrm>
+            <a:off x="682977" y="596293"/>
+            <a:ext cx="8520600" cy="572700"/>
+          </a:xfrm>
+        </p:spPr>
         <p:txBody>
           <a:bodyPr/>
           <a:lstStyle/>
           <a:p>
-            <a:endParaRPr lang="zh-TW" altLang="en-US" dirty="0"/>
+            <a:r>
+              <a:rPr lang="en-US" altLang="zh-TW" dirty="0"/>
+              <a:t>API</a:t>
+            </a:r>
+            <a:r>
+              <a:rPr lang="zh-TW" altLang="en-US" dirty="0"/>
+              <a:t>使用</a:t>
+            </a:r>
           </a:p>
         </p:txBody>
       </p:sp>
-      <p:sp>
-        <p:nvSpPr>
-          <p:cNvPr id="3" name="文字版面配置區 2">
+      <p:pic>
+        <p:nvPicPr>
+          <p:cNvPr id="5" name="圖片 4">
             <a:extLst>
               <a:ext uri="{FF2B5EF4-FFF2-40B4-BE49-F238E27FC236}">
-                <a16:creationId xmlns:a16="http://schemas.microsoft.com/office/drawing/2014/main" id="{EE24112B-F706-4C36-A2A5-4F291A53D24A}"/>
+                <a16:creationId xmlns:a16="http://schemas.microsoft.com/office/drawing/2014/main" id="{573AB90B-CF3F-480F-8FCE-58E94FB87865}"/>
               </a:ext>
             </a:extLst>
           </p:cNvPr>
-          <p:cNvSpPr>
-            <a:spLocks noGrp="1"/>
-          </p:cNvSpPr>
-          <p:nvPr>
-            <p:ph type="body" idx="1"/>
-          </p:nvPr>
+          <p:cNvPicPr>
+            <a:picLocks noChangeAspect="1"/>
+          </p:cNvPicPr>
+          <p:nvPr/>
+        </p:nvPicPr>
+        <p:blipFill>
+          <a:blip r:embed="rId2"/>
+          <a:stretch>
+            <a:fillRect/>
+          </a:stretch>
+        </p:blipFill>
+        <p:spPr>
+          <a:xfrm>
+            <a:off x="729050" y="1737811"/>
+            <a:ext cx="5713228" cy="1017719"/>
+          </a:xfrm>
+          <a:prstGeom prst="rect">
+            <a:avLst/>
+          </a:prstGeom>
+        </p:spPr>
+      </p:pic>
+      <p:pic>
+        <p:nvPicPr>
+          <p:cNvPr id="7" name="圖片 6">
+            <a:extLst>
+              <a:ext uri="{FF2B5EF4-FFF2-40B4-BE49-F238E27FC236}">
+                <a16:creationId xmlns:a16="http://schemas.microsoft.com/office/drawing/2014/main" id="{4A674E58-5244-487D-8152-2C2822968389}"/>
+              </a:ext>
+            </a:extLst>
+          </p:cNvPr>
+          <p:cNvPicPr>
+            <a:picLocks noChangeAspect="1"/>
+          </p:cNvPicPr>
+          <p:nvPr/>
+        </p:nvPicPr>
+        <p:blipFill>
+          <a:blip r:embed="rId3"/>
+          <a:stretch>
+            <a:fillRect/>
+          </a:stretch>
+        </p:blipFill>
+        <p:spPr>
+          <a:xfrm>
+            <a:off x="729051" y="3159366"/>
+            <a:ext cx="5599768" cy="1210634"/>
+          </a:xfrm>
+          <a:prstGeom prst="rect">
+            <a:avLst/>
+          </a:prstGeom>
+        </p:spPr>
+      </p:pic>
+      <p:sp>
+        <p:nvSpPr>
+          <p:cNvPr id="9" name="文字方塊 8">
+            <a:extLst>
+              <a:ext uri="{FF2B5EF4-FFF2-40B4-BE49-F238E27FC236}">
+                <a16:creationId xmlns:a16="http://schemas.microsoft.com/office/drawing/2014/main" id="{DED3D56C-7B72-46D5-8DFD-7007B34A30E8}"/>
+              </a:ext>
+            </a:extLst>
+          </p:cNvPr>
+          <p:cNvSpPr txBox="1"/>
+          <p:nvPr/>
         </p:nvSpPr>
-        <p:spPr/>
+        <p:spPr>
+          <a:xfrm>
+            <a:off x="6010941" y="862582"/>
+            <a:ext cx="1141228" cy="307777"/>
+          </a:xfrm>
+          <a:prstGeom prst="rect">
+            <a:avLst/>
+          </a:prstGeom>
+          <a:noFill/>
+        </p:spPr>
         <p:txBody>
-          <a:bodyPr/>
+          <a:bodyPr wrap="square">
+            <a:spAutoFit/>
+          </a:bodyPr>
           <a:lstStyle/>
           <a:p>
-            <a:pPr>
-              <a:lnSpc>
-                <a:spcPct val="200000"/>
-              </a:lnSpc>
-              <a:buFont typeface="Arial" panose="020B0604020202020204" pitchFamily="34" charset="0"/>
-              <a:buChar char="•"/>
-            </a:pPr>
-            <a:endParaRPr lang="en-US" altLang="zh-TW" sz="2000" dirty="0"/>
+            <a:r>
+              <a:rPr lang="zh-TW" altLang="en-US" b="1" dirty="0">
+                <a:hlinkClick r:id="rId4"/>
+              </a:rPr>
+              <a:t>範例程式碼</a:t>
+            </a:r>
+            <a:endParaRPr lang="zh-TW" altLang="en-US" b="1" dirty="0"/>
           </a:p>
         </p:txBody>
       </p:sp>
@@ -8499,6 +8779,238 @@
 </file>
 
 <file path=ppt/slides/slide6.xml><?xml version="1.0" encoding="utf-8"?>
+<p:sld xmlns:a="http://schemas.openxmlformats.org/drawingml/2006/main" xmlns:r="http://schemas.openxmlformats.org/officeDocument/2006/relationships" xmlns:p="http://schemas.openxmlformats.org/presentationml/2006/main">
+  <p:cSld>
+    <p:spTree>
+      <p:nvGrpSpPr>
+        <p:cNvPr id="1" name=""/>
+        <p:cNvGrpSpPr/>
+        <p:nvPr/>
+      </p:nvGrpSpPr>
+      <p:grpSpPr>
+        <a:xfrm>
+          <a:off x="0" y="0"/>
+          <a:ext cx="0" cy="0"/>
+          <a:chOff x="0" y="0"/>
+          <a:chExt cx="0" cy="0"/>
+        </a:xfrm>
+      </p:grpSpPr>
+      <p:sp>
+        <p:nvSpPr>
+          <p:cNvPr id="2" name="標題 1">
+            <a:extLst>
+              <a:ext uri="{FF2B5EF4-FFF2-40B4-BE49-F238E27FC236}">
+                <a16:creationId xmlns:a16="http://schemas.microsoft.com/office/drawing/2014/main" id="{84228595-DF07-4699-A5CF-009C37696AD3}"/>
+              </a:ext>
+            </a:extLst>
+          </p:cNvPr>
+          <p:cNvSpPr>
+            <a:spLocks noGrp="1"/>
+          </p:cNvSpPr>
+          <p:nvPr>
+            <p:ph type="title"/>
+          </p:nvPr>
+        </p:nvSpPr>
+        <p:spPr/>
+        <p:txBody>
+          <a:bodyPr/>
+          <a:lstStyle/>
+          <a:p>
+            <a:r>
+              <a:rPr lang="en-US" altLang="zh-TW" dirty="0"/>
+              <a:t>Demo</a:t>
+            </a:r>
+            <a:endParaRPr lang="zh-TW" altLang="en-US" dirty="0"/>
+          </a:p>
+        </p:txBody>
+      </p:sp>
+      <p:pic>
+        <p:nvPicPr>
+          <p:cNvPr id="3" name="2023-08-13 19-43-53">
+            <a:hlinkClick r:id="" action="ppaction://media"/>
+            <a:extLst>
+              <a:ext uri="{FF2B5EF4-FFF2-40B4-BE49-F238E27FC236}">
+                <a16:creationId xmlns:a16="http://schemas.microsoft.com/office/drawing/2014/main" id="{DBDC3774-9159-477D-9DEE-EDA72B447E9F}"/>
+              </a:ext>
+            </a:extLst>
+          </p:cNvPr>
+          <p:cNvPicPr>
+            <a:picLocks noChangeAspect="1"/>
+          </p:cNvPicPr>
+          <p:nvPr>
+            <a:videoFile r:link="rId2"/>
+            <p:extLst>
+              <p:ext uri="{DAA4B4D4-6D71-4841-9C94-3DE7FCFB9230}">
+                <p14:media xmlns:p14="http://schemas.microsoft.com/office/powerpoint/2010/main" r:embed="rId1"/>
+              </p:ext>
+            </p:extLst>
+          </p:nvPr>
+        </p:nvPicPr>
+        <p:blipFill>
+          <a:blip r:embed="rId4"/>
+          <a:stretch>
+            <a:fillRect/>
+          </a:stretch>
+        </p:blipFill>
+        <p:spPr>
+          <a:xfrm>
+            <a:off x="1424041" y="1325526"/>
+            <a:ext cx="6295918" cy="3541454"/>
+          </a:xfrm>
+          <a:prstGeom prst="rect">
+            <a:avLst/>
+          </a:prstGeom>
+        </p:spPr>
+      </p:pic>
+    </p:spTree>
+    <p:extLst>
+      <p:ext uri="{BB962C8B-B14F-4D97-AF65-F5344CB8AC3E}">
+        <p14:creationId xmlns:p14="http://schemas.microsoft.com/office/powerpoint/2010/main" val="2291773685"/>
+      </p:ext>
+    </p:extLst>
+  </p:cSld>
+  <p:clrMapOvr>
+    <a:masterClrMapping/>
+  </p:clrMapOvr>
+  <p:timing>
+    <p:tnLst>
+      <p:par>
+        <p:cTn id="1" dur="indefinite" restart="never" nodeType="tmRoot">
+          <p:childTnLst>
+            <p:seq concurrent="1" nextAc="seek">
+              <p:cTn id="2" dur="indefinite" nodeType="mainSeq">
+                <p:childTnLst>
+                  <p:par>
+                    <p:cTn id="3" fill="hold">
+                      <p:stCondLst>
+                        <p:cond delay="indefinite"/>
+                      </p:stCondLst>
+                      <p:childTnLst>
+                        <p:par>
+                          <p:cTn id="4" fill="hold">
+                            <p:stCondLst>
+                              <p:cond delay="0"/>
+                            </p:stCondLst>
+                            <p:childTnLst>
+                              <p:par>
+                                <p:cTn id="5" presetID="1" presetClass="mediacall" presetSubtype="0" fill="hold" nodeType="clickEffect">
+                                  <p:stCondLst>
+                                    <p:cond delay="0"/>
+                                  </p:stCondLst>
+                                  <p:childTnLst>
+                                    <p:cmd type="call" cmd="playFrom(0.0)">
+                                      <p:cBhvr>
+                                        <p:cTn id="6" dur="11734" fill="hold"/>
+                                        <p:tgtEl>
+                                          <p:spTgt spid="3"/>
+                                        </p:tgtEl>
+                                      </p:cBhvr>
+                                    </p:cmd>
+                                  </p:childTnLst>
+                                </p:cTn>
+                              </p:par>
+                            </p:childTnLst>
+                          </p:cTn>
+                        </p:par>
+                      </p:childTnLst>
+                    </p:cTn>
+                  </p:par>
+                </p:childTnLst>
+              </p:cTn>
+              <p:prevCondLst>
+                <p:cond evt="onPrev" delay="0">
+                  <p:tgtEl>
+                    <p:sldTgt/>
+                  </p:tgtEl>
+                </p:cond>
+              </p:prevCondLst>
+              <p:nextCondLst>
+                <p:cond evt="onNext" delay="0">
+                  <p:tgtEl>
+                    <p:sldTgt/>
+                  </p:tgtEl>
+                </p:cond>
+              </p:nextCondLst>
+            </p:seq>
+            <p:video>
+              <p:cMediaNode vol="80000">
+                <p:cTn id="7" fill="hold" display="0">
+                  <p:stCondLst>
+                    <p:cond delay="indefinite"/>
+                  </p:stCondLst>
+                </p:cTn>
+                <p:tgtEl>
+                  <p:spTgt spid="3"/>
+                </p:tgtEl>
+              </p:cMediaNode>
+            </p:video>
+            <p:seq concurrent="1" nextAc="seek">
+              <p:cTn id="8" restart="whenNotActive" fill="hold" evtFilter="cancelBubble" nodeType="interactiveSeq">
+                <p:stCondLst>
+                  <p:cond evt="onClick" delay="0">
+                    <p:tgtEl>
+                      <p:spTgt spid="3"/>
+                    </p:tgtEl>
+                  </p:cond>
+                </p:stCondLst>
+                <p:endSync evt="end" delay="0">
+                  <p:rtn val="all"/>
+                </p:endSync>
+                <p:childTnLst>
+                  <p:par>
+                    <p:cTn id="9" fill="hold">
+                      <p:stCondLst>
+                        <p:cond delay="0"/>
+                      </p:stCondLst>
+                      <p:childTnLst>
+                        <p:par>
+                          <p:cTn id="10" fill="hold">
+                            <p:stCondLst>
+                              <p:cond delay="0"/>
+                            </p:stCondLst>
+                            <p:childTnLst>
+                              <p:par>
+                                <p:cTn id="11" presetID="2" presetClass="mediacall" presetSubtype="0" fill="hold" nodeType="clickEffect">
+                                  <p:stCondLst>
+                                    <p:cond delay="0"/>
+                                  </p:stCondLst>
+                                  <p:childTnLst>
+                                    <p:cmd type="call" cmd="togglePause">
+                                      <p:cBhvr>
+                                        <p:cTn id="12" dur="1" fill="hold"/>
+                                        <p:tgtEl>
+                                          <p:spTgt spid="3"/>
+                                        </p:tgtEl>
+                                      </p:cBhvr>
+                                    </p:cmd>
+                                  </p:childTnLst>
+                                </p:cTn>
+                              </p:par>
+                            </p:childTnLst>
+                          </p:cTn>
+                        </p:par>
+                      </p:childTnLst>
+                    </p:cTn>
+                  </p:par>
+                </p:childTnLst>
+              </p:cTn>
+              <p:nextCondLst>
+                <p:cond evt="onClick" delay="0">
+                  <p:tgtEl>
+                    <p:spTgt spid="3"/>
+                  </p:tgtEl>
+                </p:cond>
+              </p:nextCondLst>
+            </p:seq>
+          </p:childTnLst>
+        </p:cTn>
+      </p:par>
+    </p:tnLst>
+  </p:timing>
+</p:sld>
+</file>
+
+<file path=ppt/slides/slide7.xml><?xml version="1.0" encoding="utf-8"?>
 <p:sld xmlns:a="http://schemas.openxmlformats.org/drawingml/2006/main" xmlns:r="http://schemas.openxmlformats.org/officeDocument/2006/relationships" xmlns:p="http://schemas.openxmlformats.org/presentationml/2006/main">
   <p:cSld>
     <p:spTree>
@@ -8623,7 +9135,7 @@
 </p:sld>
 </file>
 
-<file path=ppt/slides/slide7.xml><?xml version="1.0" encoding="utf-8"?>
+<file path=ppt/slides/slide8.xml><?xml version="1.0" encoding="utf-8"?>
 <p:sld xmlns:a="http://schemas.openxmlformats.org/drawingml/2006/main" xmlns:r="http://schemas.openxmlformats.org/officeDocument/2006/relationships" xmlns:p="http://schemas.openxmlformats.org/presentationml/2006/main">
   <p:cSld>
     <p:spTree>
@@ -8793,7 +9305,7 @@
 </p:sld>
 </file>
 
-<file path=ppt/slides/slide8.xml><?xml version="1.0" encoding="utf-8"?>
+<file path=ppt/slides/slide9.xml><?xml version="1.0" encoding="utf-8"?>
 <p:sld xmlns:a="http://schemas.openxmlformats.org/drawingml/2006/main" xmlns:r="http://schemas.openxmlformats.org/officeDocument/2006/relationships" xmlns:p="http://schemas.openxmlformats.org/presentationml/2006/main">
   <p:cSld>
     <p:spTree>
@@ -8937,159 +9449,6 @@
     <p:extLst>
       <p:ext uri="{BB962C8B-B14F-4D97-AF65-F5344CB8AC3E}">
         <p14:creationId xmlns:p14="http://schemas.microsoft.com/office/powerpoint/2010/main" val="564669041"/>
-      </p:ext>
-    </p:extLst>
-  </p:cSld>
-  <p:clrMapOvr>
-    <a:masterClrMapping/>
-  </p:clrMapOvr>
-</p:sld>
-</file>
-
-<file path=ppt/slides/slide9.xml><?xml version="1.0" encoding="utf-8"?>
-<p:sld xmlns:a="http://schemas.openxmlformats.org/drawingml/2006/main" xmlns:r="http://schemas.openxmlformats.org/officeDocument/2006/relationships" xmlns:p="http://schemas.openxmlformats.org/presentationml/2006/main">
-  <p:cSld>
-    <p:spTree>
-      <p:nvGrpSpPr>
-        <p:cNvPr id="1" name=""/>
-        <p:cNvGrpSpPr/>
-        <p:nvPr/>
-      </p:nvGrpSpPr>
-      <p:grpSpPr>
-        <a:xfrm>
-          <a:off x="0" y="0"/>
-          <a:ext cx="0" cy="0"/>
-          <a:chOff x="0" y="0"/>
-          <a:chExt cx="0" cy="0"/>
-        </a:xfrm>
-      </p:grpSpPr>
-      <p:sp>
-        <p:nvSpPr>
-          <p:cNvPr id="2" name="標題 1">
-            <a:extLst>
-              <a:ext uri="{FF2B5EF4-FFF2-40B4-BE49-F238E27FC236}">
-                <a16:creationId xmlns:a16="http://schemas.microsoft.com/office/drawing/2014/main" id="{621FFCFB-8ABF-45F7-A385-4E134333EF68}"/>
-              </a:ext>
-            </a:extLst>
-          </p:cNvPr>
-          <p:cNvSpPr>
-            <a:spLocks noGrp="1"/>
-          </p:cNvSpPr>
-          <p:nvPr>
-            <p:ph type="title"/>
-          </p:nvPr>
-        </p:nvSpPr>
-        <p:spPr/>
-        <p:txBody>
-          <a:bodyPr/>
-          <a:lstStyle/>
-          <a:p>
-            <a:r>
-              <a:rPr lang="en-US" altLang="zh-TW" dirty="0"/>
-              <a:t>Message board</a:t>
-            </a:r>
-            <a:endParaRPr lang="zh-TW" altLang="en-US" dirty="0"/>
-          </a:p>
-        </p:txBody>
-      </p:sp>
-      <p:sp>
-        <p:nvSpPr>
-          <p:cNvPr id="6" name="文字方塊 5">
-            <a:extLst>
-              <a:ext uri="{FF2B5EF4-FFF2-40B4-BE49-F238E27FC236}">
-                <a16:creationId xmlns:a16="http://schemas.microsoft.com/office/drawing/2014/main" id="{56A0D518-48EA-039E-2649-1D2B73D38B7A}"/>
-              </a:ext>
-            </a:extLst>
-          </p:cNvPr>
-          <p:cNvSpPr txBox="1"/>
-          <p:nvPr/>
-        </p:nvSpPr>
-        <p:spPr>
-          <a:xfrm>
-            <a:off x="4193060" y="805926"/>
-            <a:ext cx="3945924" cy="307777"/>
-          </a:xfrm>
-          <a:prstGeom prst="rect">
-            <a:avLst/>
-          </a:prstGeom>
-          <a:noFill/>
-        </p:spPr>
-        <p:txBody>
-          <a:bodyPr wrap="square" rtlCol="0">
-            <a:spAutoFit/>
-          </a:bodyPr>
-          <a:lstStyle/>
-          <a:p>
-            <a:r>
-              <a:rPr lang="zh-TW" altLang="en-US" dirty="0"/>
-              <a:t>排版可參考 </a:t>
-            </a:r>
-            <a:r>
-              <a:rPr lang="en-US" altLang="zh-TW" dirty="0">
-                <a:hlinkClick r:id="rId2"/>
-              </a:rPr>
-              <a:t>Bootstrap card</a:t>
-            </a:r>
-            <a:r>
-              <a:rPr lang="en-US" altLang="zh-TW" dirty="0"/>
-              <a:t> </a:t>
-            </a:r>
-            <a:r>
-              <a:rPr lang="zh-TW" altLang="en-US" dirty="0"/>
-              <a:t>配合 </a:t>
-            </a:r>
-            <a:r>
-              <a:rPr lang="en-US" altLang="zh-TW" dirty="0">
-                <a:hlinkClick r:id="rId3"/>
-              </a:rPr>
-              <a:t>Collapse</a:t>
-            </a:r>
-            <a:r>
-              <a:rPr lang="zh-TW" altLang="en-US" dirty="0"/>
-              <a:t>  </a:t>
-            </a:r>
-            <a:r>
-              <a:rPr lang="en-US" altLang="zh-TW" dirty="0"/>
-              <a:t> </a:t>
-            </a:r>
-            <a:endParaRPr lang="zh-TW" altLang="en-US" dirty="0"/>
-          </a:p>
-        </p:txBody>
-      </p:sp>
-      <p:pic>
-        <p:nvPicPr>
-          <p:cNvPr id="4" name="圖片 3">
-            <a:extLst>
-              <a:ext uri="{FF2B5EF4-FFF2-40B4-BE49-F238E27FC236}">
-                <a16:creationId xmlns:a16="http://schemas.microsoft.com/office/drawing/2014/main" id="{BA17DAC8-2DB8-4788-8AE1-A8DB0711932D}"/>
-              </a:ext>
-            </a:extLst>
-          </p:cNvPr>
-          <p:cNvPicPr>
-            <a:picLocks noChangeAspect="1"/>
-          </p:cNvPicPr>
-          <p:nvPr/>
-        </p:nvPicPr>
-        <p:blipFill>
-          <a:blip r:embed="rId4"/>
-          <a:stretch>
-            <a:fillRect/>
-          </a:stretch>
-        </p:blipFill>
-        <p:spPr>
-          <a:xfrm>
-            <a:off x="1624878" y="1168994"/>
-            <a:ext cx="5894243" cy="3929495"/>
-          </a:xfrm>
-          <a:prstGeom prst="rect">
-            <a:avLst/>
-          </a:prstGeom>
-        </p:spPr>
-      </p:pic>
-    </p:spTree>
-    <p:extLst>
-      <p:ext uri="{BB962C8B-B14F-4D97-AF65-F5344CB8AC3E}">
-        <p14:creationId xmlns:p14="http://schemas.microsoft.com/office/powerpoint/2010/main" val="153961966"/>
       </p:ext>
     </p:extLst>
   </p:cSld>

--- a/Web2.pptx
+++ b/Web2.pptx
@@ -9112,7 +9112,15 @@
                   <a:srgbClr val="FF0000"/>
                 </a:solidFill>
               </a:rPr>
-              <a:t>Deadline: 8/29</a:t>
+              <a:t>Deadline</a:t>
+            </a:r>
+            <a:r>
+              <a:rPr lang="en-US" altLang="zh-TW" b="1">
+                <a:solidFill>
+                  <a:srgbClr val="FF0000"/>
+                </a:solidFill>
+              </a:rPr>
+              <a:t>: 8/25</a:t>
             </a:r>
             <a:endParaRPr lang="zh-TW" altLang="en-US" b="1" dirty="0">
               <a:solidFill>
